--- a/IITJ.pptx
+++ b/IITJ.pptx
@@ -112,7 +112,41 @@
       </a:defRPr>
     </a:lvl9pPr>
   </p:defaultTextStyle>
+  <p:extLst>
+    <p:ext uri="{EFAFB233-063F-42B5-8137-9DF3F51BA10A}">
+      <p15:sldGuideLst xmlns:p15="http://schemas.microsoft.com/office/powerpoint/2012/main"/>
+    </p:ext>
+  </p:extLst>
 </p:presentation>
+</file>
+
+<file path=ppt/changesInfos/changesInfo1.xml><?xml version="1.0" encoding="utf-8"?>
+<pc:chgInfo xmlns:a="http://schemas.openxmlformats.org/drawingml/2006/main" xmlns:r="http://schemas.openxmlformats.org/officeDocument/2006/relationships" xmlns:ac="http://schemas.microsoft.com/office/drawing/2013/main/command" xmlns:pc="http://schemas.microsoft.com/office/powerpoint/2013/main/command">
+  <pc:docChgLst>
+    <pc:chgData name="Raju Das" userId="d4411e19-492d-4921-ac12-c6adc2dc3429" providerId="ADAL" clId="{89302A8E-F161-4BA5-9C56-15A180D0A65E}"/>
+    <pc:docChg chg="modSld">
+      <pc:chgData name="Raju Das" userId="d4411e19-492d-4921-ac12-c6adc2dc3429" providerId="ADAL" clId="{89302A8E-F161-4BA5-9C56-15A180D0A65E}" dt="2025-03-18T15:14:33.899" v="0" actId="108"/>
+      <pc:docMkLst>
+        <pc:docMk/>
+      </pc:docMkLst>
+      <pc:sldChg chg="modSp mod">
+        <pc:chgData name="Raju Das" userId="d4411e19-492d-4921-ac12-c6adc2dc3429" providerId="ADAL" clId="{89302A8E-F161-4BA5-9C56-15A180D0A65E}" dt="2025-03-18T15:14:33.899" v="0" actId="108"/>
+        <pc:sldMkLst>
+          <pc:docMk/>
+          <pc:sldMk cId="1941898777" sldId="264"/>
+        </pc:sldMkLst>
+        <pc:spChg chg="mod">
+          <ac:chgData name="Raju Das" userId="d4411e19-492d-4921-ac12-c6adc2dc3429" providerId="ADAL" clId="{89302A8E-F161-4BA5-9C56-15A180D0A65E}" dt="2025-03-18T15:14:33.899" v="0" actId="108"/>
+          <ac:spMkLst>
+            <pc:docMk/>
+            <pc:sldMk cId="1941898777" sldId="264"/>
+            <ac:spMk id="2" creationId="{03609571-126B-E8A5-35E9-CA4255123EE1}"/>
+          </ac:spMkLst>
+        </pc:spChg>
+      </pc:sldChg>
+    </pc:docChg>
+  </pc:docChgLst>
+</pc:chgInfo>
 </file>
 
 <file path=ppt/slideLayouts/slideLayout1.xml><?xml version="1.0" encoding="utf-8"?>
@@ -7881,23 +7915,11 @@
           <a:lstStyle/>
           <a:p>
             <a:r>
-              <a:rPr lang="en-IN" b="1" i="0" dirty="0">
-                <a:solidFill>
-                  <a:srgbClr val="242424"/>
-                </a:solidFill>
-                <a:effectLst/>
-                <a:latin typeface="Segoe UI" panose="020B0502040204020203" pitchFamily="34" charset="0"/>
-              </a:rPr>
+              <a:rPr lang="en-IN" dirty="0"/>
               <a:t>Equipment Maintenance Strategies</a:t>
             </a:r>
             <a:br>
-              <a:rPr lang="en-IN" b="1" i="0" dirty="0">
-                <a:solidFill>
-                  <a:srgbClr val="242424"/>
-                </a:solidFill>
-                <a:effectLst/>
-                <a:latin typeface="Segoe UI" panose="020B0502040204020203" pitchFamily="34" charset="0"/>
-              </a:rPr>
+              <a:rPr lang="en-IN" dirty="0"/>
             </a:br>
             <a:endParaRPr lang="en-IN" dirty="0"/>
           </a:p>
